--- a/meth1/portfolio/Lesson2PresentationConditionals.pptx
+++ b/meth1/portfolio/Lesson2PresentationConditionals.pptx
@@ -616,7 +616,7 @@
           <a:p>
             <a:fld id="{21AEABF2-B4F1-4F4C-BAB0-851670513507}" type="datetimeFigureOut">
               <a:rPr lang="en-US" smtClean="0"/>
-              <a:t>8/4/21</a:t>
+              <a:t>8/5/21</a:t>
             </a:fld>
             <a:endParaRPr lang="en-US"/>
           </a:p>
@@ -793,7 +793,7 @@
           <a:p>
             <a:fld id="{21AEABF2-B4F1-4F4C-BAB0-851670513507}" type="datetimeFigureOut">
               <a:rPr lang="en-US" smtClean="0"/>
-              <a:t>8/4/21</a:t>
+              <a:t>8/5/21</a:t>
             </a:fld>
             <a:endParaRPr lang="en-US"/>
           </a:p>
@@ -973,7 +973,7 @@
           <a:p>
             <a:fld id="{21AEABF2-B4F1-4F4C-BAB0-851670513507}" type="datetimeFigureOut">
               <a:rPr lang="en-US" smtClean="0"/>
-              <a:t>8/4/21</a:t>
+              <a:t>8/5/21</a:t>
             </a:fld>
             <a:endParaRPr lang="en-US"/>
           </a:p>
@@ -1143,7 +1143,7 @@
           <a:p>
             <a:fld id="{21AEABF2-B4F1-4F4C-BAB0-851670513507}" type="datetimeFigureOut">
               <a:rPr lang="en-US" smtClean="0"/>
-              <a:t>8/4/21</a:t>
+              <a:t>8/5/21</a:t>
             </a:fld>
             <a:endParaRPr lang="en-US"/>
           </a:p>
@@ -1464,7 +1464,7 @@
           <a:p>
             <a:fld id="{21AEABF2-B4F1-4F4C-BAB0-851670513507}" type="datetimeFigureOut">
               <a:rPr lang="en-US" smtClean="0"/>
-              <a:t>8/4/21</a:t>
+              <a:t>8/5/21</a:t>
             </a:fld>
             <a:endParaRPr lang="en-US"/>
           </a:p>
@@ -1924,7 +1924,7 @@
           <a:p>
             <a:fld id="{21AEABF2-B4F1-4F4C-BAB0-851670513507}" type="datetimeFigureOut">
               <a:rPr lang="en-US" smtClean="0"/>
-              <a:t>8/4/21</a:t>
+              <a:t>8/5/21</a:t>
             </a:fld>
             <a:endParaRPr lang="en-US"/>
           </a:p>
@@ -2335,7 +2335,7 @@
           <a:p>
             <a:fld id="{21AEABF2-B4F1-4F4C-BAB0-851670513507}" type="datetimeFigureOut">
               <a:rPr lang="en-US" smtClean="0"/>
-              <a:t>8/4/21</a:t>
+              <a:t>8/5/21</a:t>
             </a:fld>
             <a:endParaRPr lang="en-US"/>
           </a:p>
@@ -2453,7 +2453,7 @@
           <a:p>
             <a:fld id="{21AEABF2-B4F1-4F4C-BAB0-851670513507}" type="datetimeFigureOut">
               <a:rPr lang="en-US" smtClean="0"/>
-              <a:t>8/4/21</a:t>
+              <a:t>8/5/21</a:t>
             </a:fld>
             <a:endParaRPr lang="en-US"/>
           </a:p>
@@ -2570,7 +2570,7 @@
           <a:p>
             <a:fld id="{21AEABF2-B4F1-4F4C-BAB0-851670513507}" type="datetimeFigureOut">
               <a:rPr lang="en-US" smtClean="0"/>
-              <a:t>8/4/21</a:t>
+              <a:t>8/5/21</a:t>
             </a:fld>
             <a:endParaRPr lang="en-US"/>
           </a:p>
@@ -2928,7 +2928,7 @@
           <a:p>
             <a:fld id="{21AEABF2-B4F1-4F4C-BAB0-851670513507}" type="datetimeFigureOut">
               <a:rPr lang="en-US" smtClean="0"/>
-              <a:t>8/4/21</a:t>
+              <a:t>8/5/21</a:t>
             </a:fld>
             <a:endParaRPr lang="en-US"/>
           </a:p>
@@ -3435,7 +3435,7 @@
           <a:p>
             <a:fld id="{21AEABF2-B4F1-4F4C-BAB0-851670513507}" type="datetimeFigureOut">
               <a:rPr lang="en-US" smtClean="0"/>
-              <a:t>8/4/21</a:t>
+              <a:t>8/5/21</a:t>
             </a:fld>
             <a:endParaRPr lang="en-US"/>
           </a:p>
@@ -3790,7 +3790,7 @@
           <a:p>
             <a:fld id="{21AEABF2-B4F1-4F4C-BAB0-851670513507}" type="datetimeFigureOut">
               <a:rPr lang="en-US" smtClean="0"/>
-              <a:t>8/4/21</a:t>
+              <a:t>8/5/21</a:t>
             </a:fld>
             <a:endParaRPr lang="en-US"/>
           </a:p>

--- a/meth1/portfolio/Lesson2PresentationConditionals.pptx
+++ b/meth1/portfolio/Lesson2PresentationConditionals.pptx
@@ -5171,10 +5171,18 @@
         </p:nvSpPr>
         <p:spPr/>
         <p:txBody>
-          <a:bodyPr/>
-          <a:lstStyle/>
-          <a:p>
-            <a:endParaRPr lang="en-US"/>
+          <a:bodyPr>
+            <a:normAutofit/>
+          </a:bodyPr>
+          <a:lstStyle/>
+          <a:p>
+            <a:pPr marL="0" indent="0">
+              <a:buNone/>
+            </a:pPr>
+            <a:r>
+              <a:rPr lang="en-US" sz="3600" dirty="0"/>
+              <a:t>Work with a partner to write a short program involving conditionals. </a:t>
+            </a:r>
           </a:p>
         </p:txBody>
       </p:sp>
